--- a/results/Project Submission Template  Dalcide_Shelsy.pptx
+++ b/results/Project Submission Template  Dalcide_Shelsy.pptx
@@ -5,7 +5,7 @@
     <p:sldMasterId id="2147483660" r:id="rId1"/>
   </p:sldMasterIdLst>
   <p:notesMasterIdLst>
-    <p:notesMasterId r:id="rId20"/>
+    <p:notesMasterId r:id="rId21"/>
   </p:notesMasterIdLst>
   <p:sldIdLst>
     <p:sldId id="256" r:id="rId2"/>
@@ -19,39 +19,40 @@
     <p:sldId id="271" r:id="rId10"/>
     <p:sldId id="272" r:id="rId11"/>
     <p:sldId id="273" r:id="rId12"/>
-    <p:sldId id="266" r:id="rId13"/>
-    <p:sldId id="267" r:id="rId14"/>
-    <p:sldId id="268" r:id="rId15"/>
-    <p:sldId id="269" r:id="rId16"/>
-    <p:sldId id="270" r:id="rId17"/>
-    <p:sldId id="260" r:id="rId18"/>
-    <p:sldId id="261" r:id="rId19"/>
+    <p:sldId id="275" r:id="rId13"/>
+    <p:sldId id="266" r:id="rId14"/>
+    <p:sldId id="267" r:id="rId15"/>
+    <p:sldId id="268" r:id="rId16"/>
+    <p:sldId id="269" r:id="rId17"/>
+    <p:sldId id="274" r:id="rId18"/>
+    <p:sldId id="260" r:id="rId19"/>
+    <p:sldId id="261" r:id="rId20"/>
   </p:sldIdLst>
   <p:sldSz cx="9144000" cy="5143500" type="screen16x9"/>
   <p:notesSz cx="6858000" cy="9144000"/>
   <p:embeddedFontLst>
     <p:embeddedFont>
+      <p:font typeface="Lato" panose="020B0604020202020204" charset="0"/>
+      <p:regular r:id="rId22"/>
+      <p:bold r:id="rId23"/>
+      <p:italic r:id="rId24"/>
+      <p:boldItalic r:id="rId25"/>
+    </p:embeddedFont>
+    <p:embeddedFont>
+      <p:font typeface="Cutive" panose="020B0604020202020204" charset="0"/>
+      <p:regular r:id="rId26"/>
+    </p:embeddedFont>
+    <p:embeddedFont>
       <p:font typeface="Raleway" panose="020B0604020202020204" charset="0"/>
-      <p:regular r:id="rId21"/>
-      <p:bold r:id="rId22"/>
-      <p:italic r:id="rId23"/>
-      <p:boldItalic r:id="rId24"/>
+      <p:regular r:id="rId27"/>
+      <p:bold r:id="rId28"/>
+      <p:italic r:id="rId29"/>
+      <p:boldItalic r:id="rId30"/>
     </p:embeddedFont>
     <p:embeddedFont>
       <p:font typeface="Encode Sans SemiBold" panose="020B0604020202020204" charset="0"/>
-      <p:regular r:id="rId25"/>
-      <p:bold r:id="rId26"/>
-    </p:embeddedFont>
-    <p:embeddedFont>
-      <p:font typeface="Cutive" panose="020B0604020202020204" charset="0"/>
-      <p:regular r:id="rId27"/>
-    </p:embeddedFont>
-    <p:embeddedFont>
-      <p:font typeface="Lato" panose="020B0604020202020204" charset="0"/>
-      <p:regular r:id="rId28"/>
-      <p:bold r:id="rId29"/>
-      <p:italic r:id="rId30"/>
-      <p:boldItalic r:id="rId31"/>
+      <p:regular r:id="rId31"/>
+      <p:bold r:id="rId32"/>
     </p:embeddedFont>
   </p:embeddedFontLst>
   <p:defaultTextStyle>
@@ -9693,21 +9694,21 @@
           <a:p>
             <a:r>
               <a:rPr lang="en-US" dirty="0" smtClean="0"/>
-              <a:t>This table show all Churn (Services, </a:t>
+              <a:t>In the Chart of method payment we can see that all the customers who churn were paying by Electronic Check</a:t>
+            </a:r>
+          </a:p>
+          <a:p>
+            <a:r>
+              <a:rPr lang="en-US" dirty="0" smtClean="0"/>
+              <a:t>And these who used  </a:t>
             </a:r>
             <a:r>
               <a:rPr lang="en-US" dirty="0" err="1" smtClean="0"/>
-              <a:t>gender,SeniorCitizen</a:t>
+              <a:t>PaperlessBilling</a:t>
             </a:r>
             <a:r>
               <a:rPr lang="en-US" dirty="0" smtClean="0"/>
-              <a:t>…)</a:t>
-            </a:r>
-          </a:p>
-          <a:p>
-            <a:r>
-              <a:rPr lang="en-US" dirty="0" smtClean="0"/>
-              <a:t>We will calculate how many men are churn and for women are churn too</a:t>
+              <a:t> have churn a lot too.</a:t>
             </a:r>
             <a:endParaRPr lang="en-US" dirty="0"/>
           </a:p>
@@ -9729,8 +9730,32 @@
         </p:blipFill>
         <p:spPr>
           <a:xfrm>
-            <a:off x="4573650" y="1572088"/>
-            <a:ext cx="4453243" cy="2331441"/>
+            <a:off x="5222384" y="157554"/>
+            <a:ext cx="3665196" cy="2173546"/>
+          </a:xfrm>
+          <a:prstGeom prst="rect">
+            <a:avLst/>
+          </a:prstGeom>
+        </p:spPr>
+      </p:pic>
+      <p:pic>
+        <p:nvPicPr>
+          <p:cNvPr id="6" name="Picture 5"/>
+          <p:cNvPicPr>
+            <a:picLocks noChangeAspect="1"/>
+          </p:cNvPicPr>
+          <p:nvPr/>
+        </p:nvPicPr>
+        <p:blipFill>
+          <a:blip r:embed="rId3"/>
+          <a:stretch>
+            <a:fillRect/>
+          </a:stretch>
+        </p:blipFill>
+        <p:spPr>
+          <a:xfrm>
+            <a:off x="5144708" y="2331100"/>
+            <a:ext cx="3928459" cy="2275709"/>
           </a:xfrm>
           <a:prstGeom prst="rect">
             <a:avLst/>
@@ -9740,7 +9765,7 @@
     </p:spTree>
     <p:extLst>
       <p:ext uri="{BB962C8B-B14F-4D97-AF65-F5344CB8AC3E}">
-        <p14:creationId xmlns:p14="http://schemas.microsoft.com/office/powerpoint/2010/main" val="1399345280"/>
+        <p14:creationId xmlns:p14="http://schemas.microsoft.com/office/powerpoint/2010/main" val="3197068619"/>
       </p:ext>
     </p:extLst>
   </p:cSld>
@@ -9805,43 +9830,31 @@
           <a:bodyPr/>
           <a:lstStyle/>
           <a:p>
-            <a:pPr>
-              <a:buFont typeface="Arial" panose="020B0604020202020204" pitchFamily="34" charset="0"/>
-              <a:buChar char="•"/>
-            </a:pPr>
             <a:r>
               <a:rPr lang="en-US" dirty="0" smtClean="0"/>
-              <a:t>This Chart shows the percent of women and men are churn</a:t>
+              <a:t>This table show all Churn (Services, </a:t>
             </a:r>
-          </a:p>
-          <a:p>
-            <a:pPr>
-              <a:buFont typeface="Arial" panose="020B0604020202020204" pitchFamily="34" charset="0"/>
-              <a:buChar char="•"/>
-            </a:pPr>
+            <a:r>
+              <a:rPr lang="en-US" dirty="0" err="1" smtClean="0"/>
+              <a:t>gender,SeniorCitizen</a:t>
+            </a:r>
             <a:r>
               <a:rPr lang="en-US" dirty="0" smtClean="0"/>
-              <a:t>There’s more women churn than men</a:t>
+              <a:t>…)</a:t>
             </a:r>
           </a:p>
           <a:p>
-            <a:pPr>
-              <a:buFont typeface="Arial" panose="020B0604020202020204" pitchFamily="34" charset="0"/>
-              <a:buChar char="•"/>
-            </a:pPr>
-            <a:endParaRPr lang="en-US" dirty="0" smtClean="0"/>
-          </a:p>
-          <a:p>
-            <a:pPr marL="146050" indent="0">
-              <a:buNone/>
-            </a:pPr>
+            <a:r>
+              <a:rPr lang="en-US" dirty="0" smtClean="0"/>
+              <a:t>We will calculate how many men are churn and for women are churn too</a:t>
+            </a:r>
             <a:endParaRPr lang="en-US" dirty="0"/>
           </a:p>
         </p:txBody>
       </p:sp>
       <p:pic>
         <p:nvPicPr>
-          <p:cNvPr id="6" name="Picture 5"/>
+          <p:cNvPr id="5" name="Picture 4"/>
           <p:cNvPicPr>
             <a:picLocks noChangeAspect="1"/>
           </p:cNvPicPr>
@@ -9855,8 +9868,8 @@
         </p:blipFill>
         <p:spPr>
           <a:xfrm>
-            <a:off x="5340927" y="1361446"/>
-            <a:ext cx="2743200" cy="2752725"/>
+            <a:off x="4573650" y="1572088"/>
+            <a:ext cx="4453243" cy="2331441"/>
           </a:xfrm>
           <a:prstGeom prst="rect">
             <a:avLst/>
@@ -9866,7 +9879,7 @@
     </p:spTree>
     <p:extLst>
       <p:ext uri="{BB962C8B-B14F-4D97-AF65-F5344CB8AC3E}">
-        <p14:creationId xmlns:p14="http://schemas.microsoft.com/office/powerpoint/2010/main" val="595762432"/>
+        <p14:creationId xmlns:p14="http://schemas.microsoft.com/office/powerpoint/2010/main" val="1399345280"/>
       </p:ext>
     </p:extLst>
   </p:cSld>
@@ -9936,8 +9949,8 @@
               <a:buChar char="•"/>
             </a:pPr>
             <a:r>
-              <a:rPr lang="en-US"/>
-              <a:t>Demographics clients who are not Dependents will only take five days to churn</a:t>
+              <a:rPr lang="en-US" dirty="0" smtClean="0"/>
+              <a:t>This Chart shows the percent of women and men are churn</a:t>
             </a:r>
           </a:p>
           <a:p>
@@ -9947,20 +9960,52 @@
             </a:pPr>
             <a:r>
               <a:rPr lang="en-US" dirty="0" smtClean="0"/>
-              <a:t>The </a:t>
+              <a:t>There’s more women churn than men</a:t>
             </a:r>
-            <a:r>
-              <a:rPr lang="en-US" dirty="0"/>
-              <a:t>company will take about twenty-nine days to lose all those customers</a:t>
-            </a:r>
+          </a:p>
+          <a:p>
+            <a:pPr>
+              <a:buFont typeface="Arial" panose="020B0604020202020204" pitchFamily="34" charset="0"/>
+              <a:buChar char="•"/>
+            </a:pPr>
             <a:endParaRPr lang="en-US" dirty="0" smtClean="0"/>
+          </a:p>
+          <a:p>
+            <a:pPr marL="146050" indent="0">
+              <a:buNone/>
+            </a:pPr>
+            <a:endParaRPr lang="en-US" dirty="0"/>
           </a:p>
         </p:txBody>
       </p:sp>
+      <p:pic>
+        <p:nvPicPr>
+          <p:cNvPr id="6" name="Picture 5"/>
+          <p:cNvPicPr>
+            <a:picLocks noChangeAspect="1"/>
+          </p:cNvPicPr>
+          <p:nvPr/>
+        </p:nvPicPr>
+        <p:blipFill>
+          <a:blip r:embed="rId2"/>
+          <a:stretch>
+            <a:fillRect/>
+          </a:stretch>
+        </p:blipFill>
+        <p:spPr>
+          <a:xfrm>
+            <a:off x="5340927" y="1361446"/>
+            <a:ext cx="2743200" cy="2752725"/>
+          </a:xfrm>
+          <a:prstGeom prst="rect">
+            <a:avLst/>
+          </a:prstGeom>
+        </p:spPr>
+      </p:pic>
     </p:spTree>
     <p:extLst>
       <p:ext uri="{BB962C8B-B14F-4D97-AF65-F5344CB8AC3E}">
-        <p14:creationId xmlns:p14="http://schemas.microsoft.com/office/powerpoint/2010/main" val="4013699147"/>
+        <p14:creationId xmlns:p14="http://schemas.microsoft.com/office/powerpoint/2010/main" val="595762432"/>
       </p:ext>
     </p:extLst>
   </p:cSld>
@@ -10025,33 +10070,36 @@
           <a:bodyPr/>
           <a:lstStyle/>
           <a:p>
-            <a:endParaRPr lang="en-US"/>
-          </a:p>
-        </p:txBody>
-      </p:sp>
-      <p:sp>
-        <p:nvSpPr>
-          <p:cNvPr id="4" name="Text Placeholder 3"/>
-          <p:cNvSpPr>
-            <a:spLocks noGrp="1"/>
-          </p:cNvSpPr>
-          <p:nvPr>
-            <p:ph type="body" idx="2"/>
-          </p:nvPr>
-        </p:nvSpPr>
-        <p:spPr/>
-        <p:txBody>
-          <a:bodyPr/>
-          <a:lstStyle/>
-          <a:p>
-            <a:endParaRPr lang="en-US"/>
+            <a:pPr>
+              <a:buFont typeface="Arial" panose="020B0604020202020204" pitchFamily="34" charset="0"/>
+              <a:buChar char="•"/>
+            </a:pPr>
+            <a:r>
+              <a:rPr lang="en-US"/>
+              <a:t>Demographics clients who are not Dependents will only take five days to churn</a:t>
+            </a:r>
+          </a:p>
+          <a:p>
+            <a:pPr>
+              <a:buFont typeface="Arial" panose="020B0604020202020204" pitchFamily="34" charset="0"/>
+              <a:buChar char="•"/>
+            </a:pPr>
+            <a:r>
+              <a:rPr lang="en-US" dirty="0" smtClean="0"/>
+              <a:t>The </a:t>
+            </a:r>
+            <a:r>
+              <a:rPr lang="en-US" dirty="0"/>
+              <a:t>company will take about twenty-nine days to lose all those customers</a:t>
+            </a:r>
+            <a:endParaRPr lang="en-US" dirty="0" smtClean="0"/>
           </a:p>
         </p:txBody>
       </p:sp>
     </p:spTree>
     <p:extLst>
       <p:ext uri="{BB962C8B-B14F-4D97-AF65-F5344CB8AC3E}">
-        <p14:creationId xmlns:p14="http://schemas.microsoft.com/office/powerpoint/2010/main" val="2482186440"/>
+        <p14:creationId xmlns:p14="http://schemas.microsoft.com/office/powerpoint/2010/main" val="4013699147"/>
       </p:ext>
     </p:extLst>
   </p:cSld>
@@ -10103,46 +10151,156 @@
       </p:sp>
       <p:sp>
         <p:nvSpPr>
-          <p:cNvPr id="3" name="Text Placeholder 2"/>
-          <p:cNvSpPr>
-            <a:spLocks noGrp="1"/>
-          </p:cNvSpPr>
-          <p:nvPr>
-            <p:ph type="body" idx="1"/>
-          </p:nvPr>
+          <p:cNvPr id="6" name="Rectangle 5"/>
+          <p:cNvSpPr/>
+          <p:nvPr/>
         </p:nvSpPr>
-        <p:spPr/>
+        <p:spPr>
+          <a:xfrm>
+            <a:off x="624625" y="1326524"/>
+            <a:ext cx="2801155" cy="296214"/>
+          </a:xfrm>
+          <a:prstGeom prst="rect">
+            <a:avLst/>
+          </a:prstGeom>
+        </p:spPr>
+        <p:style>
+          <a:lnRef idx="2">
+            <a:schemeClr val="accent4"/>
+          </a:lnRef>
+          <a:fillRef idx="1">
+            <a:schemeClr val="lt1"/>
+          </a:fillRef>
+          <a:effectRef idx="0">
+            <a:schemeClr val="accent4"/>
+          </a:effectRef>
+          <a:fontRef idx="minor">
+            <a:schemeClr val="dk1"/>
+          </a:fontRef>
+        </p:style>
         <p:txBody>
-          <a:bodyPr/>
+          <a:bodyPr rtlCol="0" anchor="ctr"/>
           <a:lstStyle/>
           <a:p>
-            <a:endParaRPr lang="en-US"/>
+            <a:pPr algn="ctr"/>
+            <a:r>
+              <a:rPr lang="en-US" dirty="0" smtClean="0">
+                <a:solidFill>
+                  <a:schemeClr val="bg2"/>
+                </a:solidFill>
+              </a:rPr>
+              <a:t>Profile for women Adult</a:t>
+            </a:r>
+            <a:endParaRPr lang="en-US" dirty="0">
+              <a:solidFill>
+                <a:schemeClr val="bg2"/>
+              </a:solidFill>
+            </a:endParaRPr>
           </a:p>
         </p:txBody>
       </p:sp>
+      <p:pic>
+        <p:nvPicPr>
+          <p:cNvPr id="7" name="Picture 6"/>
+          <p:cNvPicPr>
+            <a:picLocks noChangeAspect="1"/>
+          </p:cNvPicPr>
+          <p:nvPr/>
+        </p:nvPicPr>
+        <p:blipFill>
+          <a:blip r:embed="rId2"/>
+          <a:stretch>
+            <a:fillRect/>
+          </a:stretch>
+        </p:blipFill>
+        <p:spPr>
+          <a:xfrm>
+            <a:off x="439608" y="1908313"/>
+            <a:ext cx="4412344" cy="2284964"/>
+          </a:xfrm>
+          <a:prstGeom prst="rect">
+            <a:avLst/>
+          </a:prstGeom>
+        </p:spPr>
+      </p:pic>
+      <p:pic>
+        <p:nvPicPr>
+          <p:cNvPr id="8" name="Picture 7"/>
+          <p:cNvPicPr>
+            <a:picLocks noChangeAspect="1"/>
+          </p:cNvPicPr>
+          <p:nvPr/>
+        </p:nvPicPr>
+        <p:blipFill>
+          <a:blip r:embed="rId3"/>
+          <a:stretch>
+            <a:fillRect/>
+          </a:stretch>
+        </p:blipFill>
+        <p:spPr>
+          <a:xfrm>
+            <a:off x="4398135" y="1908313"/>
+            <a:ext cx="4335548" cy="2120091"/>
+          </a:xfrm>
+          <a:prstGeom prst="rect">
+            <a:avLst/>
+          </a:prstGeom>
+        </p:spPr>
+      </p:pic>
       <p:sp>
         <p:nvSpPr>
-          <p:cNvPr id="4" name="Text Placeholder 3"/>
-          <p:cNvSpPr>
-            <a:spLocks noGrp="1"/>
-          </p:cNvSpPr>
-          <p:nvPr>
-            <p:ph type="body" idx="2"/>
-          </p:nvPr>
+          <p:cNvPr id="9" name="Rectangle 8"/>
+          <p:cNvSpPr/>
+          <p:nvPr/>
         </p:nvSpPr>
-        <p:spPr/>
+        <p:spPr>
+          <a:xfrm>
+            <a:off x="5094497" y="1316564"/>
+            <a:ext cx="2801155" cy="296214"/>
+          </a:xfrm>
+          <a:prstGeom prst="rect">
+            <a:avLst/>
+          </a:prstGeom>
+        </p:spPr>
+        <p:style>
+          <a:lnRef idx="2">
+            <a:schemeClr val="accent4"/>
+          </a:lnRef>
+          <a:fillRef idx="1">
+            <a:schemeClr val="lt1"/>
+          </a:fillRef>
+          <a:effectRef idx="0">
+            <a:schemeClr val="accent4"/>
+          </a:effectRef>
+          <a:fontRef idx="minor">
+            <a:schemeClr val="dk1"/>
+          </a:fontRef>
+        </p:style>
         <p:txBody>
-          <a:bodyPr/>
+          <a:bodyPr rtlCol="0" anchor="ctr"/>
           <a:lstStyle/>
           <a:p>
-            <a:endParaRPr lang="en-US"/>
+            <a:pPr algn="ctr"/>
+            <a:r>
+              <a:rPr lang="en-US" dirty="0" smtClean="0">
+                <a:solidFill>
+                  <a:schemeClr val="bg2"/>
+                </a:solidFill>
+              </a:rPr>
+              <a:t>Profile for women major</a:t>
+            </a:r>
+            <a:endParaRPr lang="en-US" dirty="0">
+              <a:solidFill>
+                <a:schemeClr val="bg2"/>
+              </a:solidFill>
+            </a:endParaRPr>
           </a:p>
         </p:txBody>
       </p:sp>
     </p:spTree>
     <p:extLst>
       <p:ext uri="{BB962C8B-B14F-4D97-AF65-F5344CB8AC3E}">
-        <p14:creationId xmlns:p14="http://schemas.microsoft.com/office/powerpoint/2010/main" val="4038869369"/>
+        <p14:creationId xmlns:p14="http://schemas.microsoft.com/office/powerpoint/2010/main" val="2482186440"/>
       </p:ext>
     </p:extLst>
   </p:cSld>
@@ -10153,6 +10311,172 @@
 </file>
 
 <file path=ppt/slides/slide17.xml><?xml version="1.0" encoding="utf-8"?>
+<p:sld xmlns:a="http://schemas.openxmlformats.org/drawingml/2006/main" xmlns:r="http://schemas.openxmlformats.org/officeDocument/2006/relationships" xmlns:p="http://schemas.openxmlformats.org/presentationml/2006/main">
+  <p:cSld>
+    <p:spTree>
+      <p:nvGrpSpPr>
+        <p:cNvPr id="1" name=""/>
+        <p:cNvGrpSpPr/>
+        <p:nvPr/>
+      </p:nvGrpSpPr>
+      <p:grpSpPr>
+        <a:xfrm>
+          <a:off x="0" y="0"/>
+          <a:ext cx="0" cy="0"/>
+          <a:chOff x="0" y="0"/>
+          <a:chExt cx="0" cy="0"/>
+        </a:xfrm>
+      </p:grpSpPr>
+      <p:sp>
+        <p:nvSpPr>
+          <p:cNvPr id="2" name="Title 1"/>
+          <p:cNvSpPr>
+            <a:spLocks noGrp="1"/>
+          </p:cNvSpPr>
+          <p:nvPr>
+            <p:ph type="title"/>
+          </p:nvPr>
+        </p:nvSpPr>
+        <p:spPr/>
+        <p:txBody>
+          <a:bodyPr/>
+          <a:lstStyle/>
+          <a:p>
+            <a:r>
+              <a:rPr lang="en" dirty="0"/>
+              <a:t>Discussion &amp; Recommendations</a:t>
+            </a:r>
+            <a:endParaRPr lang="en-US" dirty="0"/>
+          </a:p>
+        </p:txBody>
+      </p:sp>
+      <p:sp>
+        <p:nvSpPr>
+          <p:cNvPr id="6" name="Text Placeholder 5"/>
+          <p:cNvSpPr>
+            <a:spLocks noGrp="1"/>
+          </p:cNvSpPr>
+          <p:nvPr>
+            <p:ph type="body" idx="1"/>
+          </p:nvPr>
+        </p:nvSpPr>
+        <p:spPr>
+          <a:xfrm>
+            <a:off x="729325" y="1607258"/>
+            <a:ext cx="7880202" cy="2552617"/>
+          </a:xfrm>
+        </p:spPr>
+        <p:txBody>
+          <a:bodyPr/>
+          <a:lstStyle/>
+          <a:p>
+            <a:pPr marL="0" lvl="0" indent="0" eaLnBrk="0" fontAlgn="base" hangingPunct="0">
+              <a:lnSpc>
+                <a:spcPct val="100000"/>
+              </a:lnSpc>
+              <a:spcBef>
+                <a:spcPct val="0"/>
+              </a:spcBef>
+              <a:spcAft>
+                <a:spcPct val="0"/>
+              </a:spcAft>
+              <a:buClrTx/>
+              <a:buSzTx/>
+              <a:buNone/>
+            </a:pPr>
+            <a:r>
+              <a:rPr lang="en-US" sz="1400" dirty="0">
+                <a:solidFill>
+                  <a:srgbClr val="595959"/>
+                </a:solidFill>
+                <a:latin typeface="Lato" panose="020B0604020202020204" charset="0"/>
+              </a:rPr>
+              <a:t>For the documentation we used the data provided </a:t>
+            </a:r>
+          </a:p>
+          <a:p>
+            <a:pPr marL="0" lvl="0" indent="0" eaLnBrk="0" fontAlgn="base" hangingPunct="0">
+              <a:lnSpc>
+                <a:spcPct val="100000"/>
+              </a:lnSpc>
+              <a:spcBef>
+                <a:spcPct val="0"/>
+              </a:spcBef>
+              <a:spcAft>
+                <a:spcPct val="0"/>
+              </a:spcAft>
+              <a:buClrTx/>
+              <a:buSzTx/>
+              <a:buNone/>
+            </a:pPr>
+            <a:r>
+              <a:rPr lang="en-US" sz="1400" dirty="0">
+                <a:solidFill>
+                  <a:srgbClr val="595959"/>
+                </a:solidFill>
+                <a:latin typeface="Lato" panose="020B0604020202020204" charset="0"/>
+              </a:rPr>
+              <a:t>by the company on 7000 customers, some of whom are </a:t>
+            </a:r>
+            <a:r>
+              <a:rPr lang="en-US" sz="1400" dirty="0" err="1">
+                <a:solidFill>
+                  <a:srgbClr val="595959"/>
+                </a:solidFill>
+                <a:latin typeface="Lato" panose="020B0604020202020204" charset="0"/>
+              </a:rPr>
+              <a:t>churn.The</a:t>
+            </a:r>
+            <a:r>
+              <a:rPr lang="en-US" sz="1400" dirty="0">
+                <a:solidFill>
+                  <a:srgbClr val="595959"/>
+                </a:solidFill>
+                <a:latin typeface="Lato" panose="020B0604020202020204" charset="0"/>
+              </a:rPr>
+              <a:t> variables chosen are those of the dataset which contains the following columns: Churn our independent variable and others that depend on it such as (ServicePhone,CustomerId,MonthlyCharge,Holding,TotalCharges,Gender,paymentMethod...) in order to make calculations to see some aspect about the current state of the company and its future.</a:t>
+            </a:r>
+            <a:r>
+              <a:rPr lang="en-US" sz="800" dirty="0">
+                <a:solidFill>
+                  <a:schemeClr val="tx1"/>
+                </a:solidFill>
+              </a:rPr>
+              <a:t/>
+            </a:r>
+            <a:br>
+              <a:rPr lang="en-US" sz="800" dirty="0">
+                <a:solidFill>
+                  <a:schemeClr val="tx1"/>
+                </a:solidFill>
+              </a:rPr>
+            </a:br>
+            <a:endParaRPr lang="en-US" sz="2400" dirty="0">
+              <a:solidFill>
+                <a:schemeClr val="tx1"/>
+              </a:solidFill>
+              <a:latin typeface="Arial" panose="020B0604020202020204" pitchFamily="34" charset="0"/>
+            </a:endParaRPr>
+          </a:p>
+          <a:p>
+            <a:endParaRPr lang="en-US" dirty="0"/>
+          </a:p>
+        </p:txBody>
+      </p:sp>
+    </p:spTree>
+    <p:extLst>
+      <p:ext uri="{BB962C8B-B14F-4D97-AF65-F5344CB8AC3E}">
+        <p14:creationId xmlns:p14="http://schemas.microsoft.com/office/powerpoint/2010/main" val="2931174222"/>
+      </p:ext>
+    </p:extLst>
+  </p:cSld>
+  <p:clrMapOvr>
+    <a:masterClrMapping/>
+  </p:clrMapOvr>
+</p:sld>
+</file>
+
+<file path=ppt/slides/slide18.xml><?xml version="1.0" encoding="utf-8"?>
 <p:sld xmlns:a="http://schemas.openxmlformats.org/drawingml/2006/main" xmlns:r="http://schemas.openxmlformats.org/officeDocument/2006/relationships" xmlns:p="http://schemas.openxmlformats.org/presentationml/2006/main">
   <p:cSld>
     <p:spTree>
@@ -10204,129 +10528,233 @@
               <a:buNone/>
             </a:pPr>
             <a:r>
-              <a:rPr lang="en"/>
+              <a:rPr lang="en" dirty="0"/>
               <a:t>Discussion &amp; Recommendations</a:t>
             </a:r>
-            <a:endParaRPr/>
+            <a:endParaRPr dirty="0"/>
           </a:p>
         </p:txBody>
       </p:sp>
       <p:sp>
         <p:nvSpPr>
-          <p:cNvPr id="132" name="Google Shape;132;p18"/>
-          <p:cNvSpPr txBox="1">
-            <a:spLocks noGrp="1"/>
-          </p:cNvSpPr>
-          <p:nvPr>
-            <p:ph type="body" idx="1"/>
-          </p:nvPr>
+          <p:cNvPr id="5" name="Rectangle 4"/>
+          <p:cNvSpPr/>
+          <p:nvPr/>
         </p:nvSpPr>
         <p:spPr>
           <a:xfrm>
-            <a:off x="729450" y="1545475"/>
-            <a:ext cx="7688700" cy="2261100"/>
+            <a:off x="470079" y="1506828"/>
+            <a:ext cx="8152327" cy="3193961"/>
           </a:xfrm>
           <a:prstGeom prst="rect">
             <a:avLst/>
           </a:prstGeom>
+          <a:ln>
+            <a:noFill/>
+          </a:ln>
         </p:spPr>
+        <p:style>
+          <a:lnRef idx="2">
+            <a:schemeClr val="dk1"/>
+          </a:lnRef>
+          <a:fillRef idx="1">
+            <a:schemeClr val="lt1"/>
+          </a:fillRef>
+          <a:effectRef idx="0">
+            <a:schemeClr val="dk1"/>
+          </a:effectRef>
+          <a:fontRef idx="minor">
+            <a:schemeClr val="dk1"/>
+          </a:fontRef>
+        </p:style>
         <p:txBody>
-          <a:bodyPr spcFirstLastPara="1" wrap="square" lIns="91425" tIns="91425" rIns="91425" bIns="91425" anchor="t" anchorCtr="0">
-            <a:noAutofit/>
-          </a:bodyPr>
+          <a:bodyPr rtlCol="0" anchor="ctr"/>
           <a:lstStyle/>
           <a:p>
-            <a:pPr marL="0" lvl="0" indent="0" algn="l" rtl="0">
-              <a:spcBef>
-                <a:spcPts val="0"/>
-              </a:spcBef>
-              <a:spcAft>
-                <a:spcPts val="0"/>
-              </a:spcAft>
-              <a:buNone/>
+            <a:r>
+              <a:rPr lang="en-US" dirty="0">
+                <a:solidFill>
+                  <a:schemeClr val="bg2"/>
+                </a:solidFill>
+              </a:rPr>
+              <a:t>What are strengths of the organization that you have leveraged in your solution?</a:t>
+            </a:r>
+          </a:p>
+          <a:p>
+            <a:pPr marL="285750" indent="-285750">
+              <a:buFont typeface="Arial" panose="020B0604020202020204" pitchFamily="34" charset="0"/>
+              <a:buChar char="•"/>
             </a:pPr>
             <a:r>
-              <a:rPr lang="en" sz="1600"/>
-              <a:t>Communicate your recommendations to your audience. Based on your results, how might you propose solving the business problem? (</a:t>
+              <a:rPr lang="en-US" dirty="0">
+                <a:solidFill>
+                  <a:schemeClr val="bg2"/>
+                </a:solidFill>
+              </a:rPr>
+              <a:t> </a:t>
             </a:r>
             <a:r>
-              <a:rPr lang="en" sz="1600">
-                <a:latin typeface="Encode Sans SemiBold"/>
-                <a:ea typeface="Encode Sans SemiBold"/>
-                <a:cs typeface="Encode Sans SemiBold"/>
-                <a:sym typeface="Encode Sans SemiBold"/>
+              <a:rPr lang="en-US" dirty="0" smtClean="0">
+                <a:solidFill>
+                  <a:schemeClr val="bg2"/>
+                </a:solidFill>
               </a:rPr>
-              <a:t>June 15, 2020)</a:t>
+              <a:t>The </a:t>
             </a:r>
-            <a:endParaRPr sz="1600"/>
-          </a:p>
-          <a:p>
-            <a:pPr marL="457200" lvl="0" indent="-330200" algn="l" rtl="0">
-              <a:spcBef>
-                <a:spcPts val="1600"/>
-              </a:spcBef>
-              <a:spcAft>
-                <a:spcPts val="0"/>
-              </a:spcAft>
-              <a:buSzPts val="1600"/>
-              <a:buChar char="❏"/>
+            <a:r>
+              <a:rPr lang="en-US" dirty="0">
+                <a:solidFill>
+                  <a:schemeClr val="bg2"/>
+                </a:solidFill>
+              </a:rPr>
+              <a:t>company has a certain renown in the market as it has been in existence for several years. </a:t>
+            </a:r>
+          </a:p>
+          <a:p>
+            <a:pPr marL="285750" indent="-285750">
+              <a:buFont typeface="Arial" panose="020B0604020202020204" pitchFamily="34" charset="0"/>
+              <a:buChar char="•"/>
             </a:pPr>
             <a:r>
-              <a:rPr lang="en" sz="1600"/>
-              <a:t>What is your proposed solution?</a:t>
+              <a:rPr lang="en-US" dirty="0" smtClean="0">
+                <a:solidFill>
+                  <a:schemeClr val="bg2"/>
+                </a:solidFill>
+              </a:rPr>
+              <a:t> The </a:t>
             </a:r>
-            <a:endParaRPr sz="1600"/>
-          </a:p>
-          <a:p>
-            <a:pPr marL="457200" lvl="0" indent="-330200" algn="l" rtl="0">
-              <a:spcBef>
-                <a:spcPts val="0"/>
-              </a:spcBef>
-              <a:spcAft>
-                <a:spcPts val="0"/>
-              </a:spcAft>
-              <a:buSzPts val="1600"/>
-              <a:buChar char="❏"/>
+            <a:r>
+              <a:rPr lang="en-US" dirty="0">
+                <a:solidFill>
+                  <a:schemeClr val="bg2"/>
+                </a:solidFill>
+              </a:rPr>
+              <a:t>company has a massive market share</a:t>
+            </a:r>
+            <a:r>
+              <a:rPr lang="en-US" dirty="0" smtClean="0">
+                <a:solidFill>
+                  <a:schemeClr val="bg2"/>
+                </a:solidFill>
+              </a:rPr>
+              <a:t>.</a:t>
+            </a:r>
+          </a:p>
+          <a:p>
+            <a:endParaRPr lang="en-US" dirty="0">
+              <a:solidFill>
+                <a:schemeClr val="bg2"/>
+              </a:solidFill>
+            </a:endParaRPr>
+          </a:p>
+          <a:p>
+            <a:r>
+              <a:rPr lang="en-US" dirty="0">
+                <a:solidFill>
+                  <a:schemeClr val="bg2"/>
+                </a:solidFill>
+              </a:rPr>
+              <a:t>❏What are weaknesses of the organization that could undermine your solution?</a:t>
+            </a:r>
+          </a:p>
+          <a:p>
+            <a:pPr marL="285750" indent="-285750">
+              <a:buFont typeface="Arial" panose="020B0604020202020204" pitchFamily="34" charset="0"/>
+              <a:buChar char="•"/>
             </a:pPr>
             <a:r>
-              <a:rPr lang="en" sz="1600"/>
-              <a:t>What are strengths of the organization that you have leveraged in your solution?</a:t>
+              <a:rPr lang="en-US" dirty="0" smtClean="0">
+                <a:solidFill>
+                  <a:schemeClr val="bg2"/>
+                </a:solidFill>
+              </a:rPr>
+              <a:t> It's </a:t>
             </a:r>
-            <a:endParaRPr sz="1600"/>
-          </a:p>
-          <a:p>
-            <a:pPr marL="457200" lvl="0" indent="-330200" algn="l" rtl="0">
-              <a:spcBef>
-                <a:spcPts val="0"/>
-              </a:spcBef>
-              <a:spcAft>
-                <a:spcPts val="0"/>
-              </a:spcAft>
-              <a:buSzPts val="1600"/>
-              <a:buChar char="❏"/>
+            <a:r>
+              <a:rPr lang="en-US" dirty="0">
+                <a:solidFill>
+                  <a:schemeClr val="bg2"/>
+                </a:solidFill>
+              </a:rPr>
+              <a:t>difficult for the company to get new customers</a:t>
+            </a:r>
+            <a:r>
+              <a:rPr lang="en-US" dirty="0" smtClean="0">
+                <a:solidFill>
+                  <a:schemeClr val="bg2"/>
+                </a:solidFill>
+              </a:rPr>
+              <a:t>.</a:t>
+            </a:r>
+          </a:p>
+          <a:p>
+            <a:endParaRPr lang="en-US" dirty="0">
+              <a:solidFill>
+                <a:schemeClr val="bg2"/>
+              </a:solidFill>
+            </a:endParaRPr>
+          </a:p>
+          <a:p>
+            <a:r>
+              <a:rPr lang="en-US" dirty="0">
+                <a:solidFill>
+                  <a:schemeClr val="bg2"/>
+                </a:solidFill>
+              </a:rPr>
+              <a:t>❏What are challenges that you might encounter? How can you mitigate them?</a:t>
+            </a:r>
+          </a:p>
+          <a:p>
+            <a:pPr marL="285750" indent="-285750">
+              <a:buFont typeface="Arial" panose="020B0604020202020204" pitchFamily="34" charset="0"/>
+              <a:buChar char="•"/>
             </a:pPr>
             <a:r>
-              <a:rPr lang="en" sz="1600"/>
-              <a:t>What are weaknesses of the organization that could undermine your solution?</a:t>
+              <a:rPr lang="en-US" dirty="0" smtClean="0">
+                <a:solidFill>
+                  <a:schemeClr val="bg2"/>
+                </a:solidFill>
+              </a:rPr>
+              <a:t>The </a:t>
             </a:r>
-            <a:endParaRPr sz="1600"/>
-          </a:p>
-          <a:p>
-            <a:pPr marL="457200" lvl="0" indent="-330200" algn="l" rtl="0">
-              <a:spcBef>
-                <a:spcPts val="0"/>
-              </a:spcBef>
-              <a:spcAft>
-                <a:spcPts val="0"/>
-              </a:spcAft>
-              <a:buSzPts val="1600"/>
-              <a:buChar char="❏"/>
+            <a:r>
+              <a:rPr lang="en-US" dirty="0">
+                <a:solidFill>
+                  <a:schemeClr val="bg2"/>
+                </a:solidFill>
+              </a:rPr>
+              <a:t>customers can be a little reluctant despite we have proposed new services much more advantageous.</a:t>
+            </a:r>
+          </a:p>
+          <a:p>
+            <a:pPr marL="285750" indent="-285750">
+              <a:buFont typeface="Arial" panose="020B0604020202020204" pitchFamily="34" charset="0"/>
+              <a:buChar char="•"/>
             </a:pPr>
             <a:r>
-              <a:rPr lang="en" sz="1600"/>
-              <a:t>What are challenges that you might encounter? How can you mitigate them?</a:t>
+              <a:rPr lang="en-US" dirty="0" smtClean="0">
+                <a:solidFill>
+                  <a:schemeClr val="bg2"/>
+                </a:solidFill>
+              </a:rPr>
+              <a:t>In </a:t>
             </a:r>
-            <a:endParaRPr sz="1600"/>
+            <a:r>
+              <a:rPr lang="en-US" dirty="0">
+                <a:solidFill>
+                  <a:schemeClr val="bg2"/>
+                </a:solidFill>
+              </a:rPr>
+              <a:t>this case we can generate within the marketing department to make advertising quite real and convincing</a:t>
+            </a:r>
+          </a:p>
+          <a:p>
+            <a:pPr algn="ctr"/>
+            <a:endParaRPr lang="en-US" dirty="0">
+              <a:solidFill>
+                <a:schemeClr val="bg2"/>
+              </a:solidFill>
+            </a:endParaRPr>
           </a:p>
         </p:txBody>
       </p:sp>
@@ -10345,7 +10773,7 @@
 </p:sld>
 </file>
 
-<file path=ppt/slides/slide18.xml><?xml version="1.0" encoding="utf-8"?>
+<file path=ppt/slides/slide19.xml><?xml version="1.0" encoding="utf-8"?>
 <p:sld xmlns:a="http://schemas.openxmlformats.org/drawingml/2006/main" xmlns:r="http://schemas.openxmlformats.org/officeDocument/2006/relationships" xmlns:p="http://schemas.openxmlformats.org/presentationml/2006/main">
   <p:cSld>
     <p:spTree>
@@ -11641,7 +12069,19 @@
             </a:r>
             <a:r>
               <a:rPr lang="en-US" dirty="0" smtClean="0"/>
-              <a:t> is the service that the customers who don’t churn use more in the company that’s why we  can use this service to make our customer who don’t churn loyalty.</a:t>
+              <a:t> and the </a:t>
+            </a:r>
+            <a:r>
+              <a:rPr lang="en-US" dirty="0" err="1" smtClean="0"/>
+              <a:t>BackupOnline</a:t>
+            </a:r>
+            <a:r>
+              <a:rPr lang="en-US" dirty="0" smtClean="0"/>
+              <a:t> </a:t>
+            </a:r>
+            <a:r>
+              <a:rPr lang="en-US" dirty="0" smtClean="0"/>
+              <a:t>is the service that the customers who don’t churn use more in the company that’s why we  can use this service to make our customer who don’t churn loyalty.</a:t>
             </a:r>
             <a:endParaRPr lang="en-US" dirty="0"/>
           </a:p>
@@ -11663,8 +12103,32 @@
         </p:blipFill>
         <p:spPr>
           <a:xfrm>
-            <a:off x="4503625" y="1607259"/>
+            <a:off x="4696808" y="139171"/>
             <a:ext cx="4492472" cy="2486125"/>
+          </a:xfrm>
+          <a:prstGeom prst="rect">
+            <a:avLst/>
+          </a:prstGeom>
+        </p:spPr>
+      </p:pic>
+      <p:pic>
+        <p:nvPicPr>
+          <p:cNvPr id="4" name="Picture 3"/>
+          <p:cNvPicPr>
+            <a:picLocks noChangeAspect="1"/>
+          </p:cNvPicPr>
+          <p:nvPr/>
+        </p:nvPicPr>
+        <p:blipFill>
+          <a:blip r:embed="rId3"/>
+          <a:stretch>
+            <a:fillRect/>
+          </a:stretch>
+        </p:blipFill>
+        <p:spPr>
+          <a:xfrm>
+            <a:off x="5087155" y="2566187"/>
+            <a:ext cx="3503053" cy="2149601"/>
           </a:xfrm>
           <a:prstGeom prst="rect">
             <a:avLst/>
@@ -11748,7 +12212,15 @@
           <a:p>
             <a:r>
               <a:rPr lang="en-US" dirty="0" smtClean="0"/>
-              <a:t>The service more used by the customers who’s churn is the Fiber Internet Optic</a:t>
+              <a:t>The service more used by the customers who’s churn is the Fiber Internet </a:t>
+            </a:r>
+            <a:r>
+              <a:rPr lang="en-US" dirty="0" smtClean="0"/>
+              <a:t>Optic and the </a:t>
+            </a:r>
+            <a:r>
+              <a:rPr lang="en-US" dirty="0" err="1" smtClean="0"/>
+              <a:t>PhoneService</a:t>
             </a:r>
             <a:endParaRPr lang="en-US" dirty="0"/>
           </a:p>
@@ -11772,6 +12244,30 @@
           <a:xfrm>
             <a:off x="4940307" y="353534"/>
             <a:ext cx="3611411" cy="2268191"/>
+          </a:xfrm>
+          <a:prstGeom prst="rect">
+            <a:avLst/>
+          </a:prstGeom>
+        </p:spPr>
+      </p:pic>
+      <p:pic>
+        <p:nvPicPr>
+          <p:cNvPr id="4" name="Picture 3"/>
+          <p:cNvPicPr>
+            <a:picLocks noChangeAspect="1"/>
+          </p:cNvPicPr>
+          <p:nvPr/>
+        </p:nvPicPr>
+        <p:blipFill>
+          <a:blip r:embed="rId3"/>
+          <a:stretch>
+            <a:fillRect/>
+          </a:stretch>
+        </p:blipFill>
+        <p:spPr>
+          <a:xfrm>
+            <a:off x="4846742" y="2672366"/>
+            <a:ext cx="4026802" cy="2492112"/>
           </a:xfrm>
           <a:prstGeom prst="rect">
             <a:avLst/>
